--- a/Presentación1.pptx
+++ b/Presentación1.pptx
@@ -11,8 +11,10 @@
     <p:sldId id="259" r:id="rId5"/>
     <p:sldId id="260" r:id="rId6"/>
     <p:sldId id="261" r:id="rId7"/>
-    <p:sldId id="262" r:id="rId8"/>
-    <p:sldId id="263" r:id="rId9"/>
+    <p:sldId id="264" r:id="rId8"/>
+    <p:sldId id="265" r:id="rId9"/>
+    <p:sldId id="262" r:id="rId10"/>
+    <p:sldId id="263" r:id="rId11"/>
   </p:sldIdLst>
   <p:sldSz cx="12192000" cy="6858000"/>
   <p:notesSz cx="6858000" cy="9144000"/>
@@ -111,6 +113,11 @@
       </a:defRPr>
     </a:lvl9pPr>
   </p:defaultTextStyle>
+  <p:extLst>
+    <p:ext uri="{EFAFB233-063F-42B5-8137-9DF3F51BA10A}">
+      <p15:sldGuideLst xmlns:p15="http://schemas.microsoft.com/office/powerpoint/2012/main"/>
+    </p:ext>
+  </p:extLst>
 </p:presentation>
 </file>
 
@@ -5768,6 +5775,108 @@
 </p:sld>
 </file>
 
+<file path=ppt/slides/slide10.xml><?xml version="1.0" encoding="utf-8"?>
+<p:sld xmlns:a="http://schemas.openxmlformats.org/drawingml/2006/main" xmlns:r="http://schemas.openxmlformats.org/officeDocument/2006/relationships" xmlns:p="http://schemas.openxmlformats.org/presentationml/2006/main">
+  <p:cSld>
+    <p:spTree>
+      <p:nvGrpSpPr>
+        <p:cNvPr id="1" name=""/>
+        <p:cNvGrpSpPr/>
+        <p:nvPr/>
+      </p:nvGrpSpPr>
+      <p:grpSpPr>
+        <a:xfrm>
+          <a:off x="0" y="0"/>
+          <a:ext cx="0" cy="0"/>
+          <a:chOff x="0" y="0"/>
+          <a:chExt cx="0" cy="0"/>
+        </a:xfrm>
+      </p:grpSpPr>
+      <p:sp>
+        <p:nvSpPr>
+          <p:cNvPr id="2" name="Título 1">
+            <a:extLst>
+              <a:ext uri="{FF2B5EF4-FFF2-40B4-BE49-F238E27FC236}">
+                <a16:creationId xmlns:a16="http://schemas.microsoft.com/office/drawing/2014/main" id="{8317506A-4B4E-2546-AC64-80D1BD6D4D91}"/>
+              </a:ext>
+            </a:extLst>
+          </p:cNvPr>
+          <p:cNvSpPr>
+            <a:spLocks noGrp="1"/>
+          </p:cNvSpPr>
+          <p:nvPr>
+            <p:ph type="title"/>
+          </p:nvPr>
+        </p:nvSpPr>
+        <p:spPr/>
+        <p:txBody>
+          <a:bodyPr/>
+          <a:lstStyle/>
+          <a:p>
+            <a:r>
+              <a:rPr lang="es-MX" dirty="0"/>
+              <a:t>Bibliografía</a:t>
+            </a:r>
+          </a:p>
+        </p:txBody>
+      </p:sp>
+      <p:sp>
+        <p:nvSpPr>
+          <p:cNvPr id="3" name="Marcador de contenido 2">
+            <a:extLst>
+              <a:ext uri="{FF2B5EF4-FFF2-40B4-BE49-F238E27FC236}">
+                <a16:creationId xmlns:a16="http://schemas.microsoft.com/office/drawing/2014/main" id="{8B7D6E70-71EF-2D4B-8804-C60C5FA1B08C}"/>
+              </a:ext>
+            </a:extLst>
+          </p:cNvPr>
+          <p:cNvSpPr>
+            <a:spLocks noGrp="1"/>
+          </p:cNvSpPr>
+          <p:nvPr>
+            <p:ph idx="1"/>
+          </p:nvPr>
+        </p:nvSpPr>
+        <p:spPr>
+          <a:xfrm>
+            <a:off x="1295402" y="3278827"/>
+            <a:ext cx="9601196" cy="1991005"/>
+          </a:xfrm>
+        </p:spPr>
+        <p:txBody>
+          <a:bodyPr>
+            <a:normAutofit fontScale="92500" lnSpcReduction="10000"/>
+          </a:bodyPr>
+          <a:lstStyle/>
+          <a:p>
+            <a:r>
+              <a:rPr lang="es-MX" dirty="0"/>
+              <a:t>Michel Picquart, Lidia Jiménez. (2010). Estudio simplificado del timbre de cuerdas percutidas, punzadas y pulsadas. México, DF, México: Edvcatio physiorvm.</a:t>
+            </a:r>
+          </a:p>
+          <a:p>
+            <a:endParaRPr lang="es-MX" dirty="0"/>
+          </a:p>
+          <a:p>
+            <a:r>
+              <a:rPr lang="es-MX" dirty="0"/>
+              <a:t>http://localhost:8888/notebooks/Downloads/ProyectoModulo2_DeAndaN1_RodriguezN2_PartidaN3.ipynb</a:t>
+            </a:r>
+          </a:p>
+        </p:txBody>
+      </p:sp>
+    </p:spTree>
+    <p:extLst>
+      <p:ext uri="{BB962C8B-B14F-4D97-AF65-F5344CB8AC3E}">
+        <p14:creationId xmlns:p14="http://schemas.microsoft.com/office/powerpoint/2010/main" val="4029933813"/>
+      </p:ext>
+    </p:extLst>
+  </p:cSld>
+  <p:clrMapOvr>
+    <a:masterClrMapping/>
+  </p:clrMapOvr>
+</p:sld>
+</file>
+
 <file path=ppt/slides/slide2.xml><?xml version="1.0" encoding="utf-8"?>
 <p:sld xmlns:a="http://schemas.openxmlformats.org/drawingml/2006/main" xmlns:r="http://schemas.openxmlformats.org/officeDocument/2006/relationships" xmlns:p="http://schemas.openxmlformats.org/presentationml/2006/main">
   <p:cSld>
@@ -6128,7 +6237,7 @@
         </p:blipFill>
         <p:spPr>
           <a:xfrm>
-            <a:off x="4520104" y="3475419"/>
+            <a:off x="4667249" y="3753544"/>
             <a:ext cx="2857500" cy="1066800"/>
           </a:xfrm>
         </p:spPr>
@@ -6147,8 +6256,8 @@
         </p:nvSpPr>
         <p:spPr>
           <a:xfrm>
-            <a:off x="2084645" y="2947354"/>
-            <a:ext cx="4011355" cy="400110"/>
+            <a:off x="1690023" y="2462423"/>
+            <a:ext cx="8811953" cy="1323439"/>
           </a:xfrm>
           <a:prstGeom prst="rect">
             <a:avLst/>
@@ -6156,10 +6265,19 @@
           <a:noFill/>
         </p:spPr>
         <p:txBody>
-          <a:bodyPr wrap="none" rtlCol="0">
+          <a:bodyPr wrap="square" rtlCol="0">
             <a:spAutoFit/>
           </a:bodyPr>
           <a:lstStyle/>
+          <a:p>
+            <a:r>
+              <a:rPr lang="es-MX" sz="2000" dirty="0"/>
+              <a:t>La fórmula de D'Alembert es la solución general de la ecuación de onda, una ecuación en derivadas parciales hiperbólica, en un espacio de una dimensión.</a:t>
+            </a:r>
+          </a:p>
+          <a:p>
+            <a:endParaRPr lang="es-MX" sz="2000" dirty="0"/>
+          </a:p>
           <a:p>
             <a:r>
               <a:rPr lang="es-MX" sz="2000" dirty="0"/>
@@ -6182,7 +6300,7 @@
         </p:nvSpPr>
         <p:spPr>
           <a:xfrm>
-            <a:off x="1807779" y="4670174"/>
+            <a:off x="1690023" y="4926325"/>
             <a:ext cx="9435660" cy="923330"/>
           </a:xfrm>
           <a:prstGeom prst="rect">
@@ -6368,109 +6486,39 @@
           <a:chExt cx="0" cy="0"/>
         </a:xfrm>
       </p:grpSpPr>
-      <p:sp>
-        <p:nvSpPr>
-          <p:cNvPr id="2" name="Título 1">
+      <p:pic>
+        <p:nvPicPr>
+          <p:cNvPr id="5" name="Marcador de contenido 4">
             <a:extLst>
               <a:ext uri="{FF2B5EF4-FFF2-40B4-BE49-F238E27FC236}">
-                <a16:creationId xmlns:a16="http://schemas.microsoft.com/office/drawing/2014/main" id="{B9D7D473-EA27-D44F-A1AF-37B3340EF950}"/>
+                <a16:creationId xmlns:a16="http://schemas.microsoft.com/office/drawing/2014/main" id="{4B3B1643-5AA9-2C4B-B308-0632AD66D937}"/>
               </a:ext>
             </a:extLst>
           </p:cNvPr>
-          <p:cNvSpPr>
-            <a:spLocks noGrp="1"/>
-          </p:cNvSpPr>
-          <p:nvPr>
-            <p:ph type="title"/>
-          </p:nvPr>
-        </p:nvSpPr>
-        <p:spPr/>
-        <p:txBody>
-          <a:bodyPr/>
-          <a:lstStyle/>
-          <a:p>
-            <a:r>
-              <a:rPr lang="es-MX" dirty="0"/>
-              <a:t>Conclusiones</a:t>
-            </a:r>
-          </a:p>
-        </p:txBody>
-      </p:sp>
-      <p:sp>
-        <p:nvSpPr>
-          <p:cNvPr id="3" name="Marcador de contenido 2">
-            <a:extLst>
-              <a:ext uri="{FF2B5EF4-FFF2-40B4-BE49-F238E27FC236}">
-                <a16:creationId xmlns:a16="http://schemas.microsoft.com/office/drawing/2014/main" id="{28BDC972-4774-C94B-8E20-33FF7F7E0380}"/>
-              </a:ext>
-            </a:extLst>
-          </p:cNvPr>
-          <p:cNvSpPr>
-            <a:spLocks noGrp="1"/>
-          </p:cNvSpPr>
+          <p:cNvPicPr>
+            <a:picLocks noGrp="1" noChangeAspect="1"/>
+          </p:cNvPicPr>
           <p:nvPr>
             <p:ph idx="1"/>
           </p:nvPr>
-        </p:nvSpPr>
-        <p:spPr>
-          <a:xfrm>
-            <a:off x="1295401" y="2556932"/>
-            <a:ext cx="9601196" cy="3591620"/>
-          </a:xfrm>
-        </p:spPr>
-        <p:txBody>
-          <a:bodyPr>
-            <a:normAutofit fontScale="70000" lnSpcReduction="20000"/>
-          </a:bodyPr>
-          <a:lstStyle/>
-          <a:p>
-            <a:r>
-              <a:rPr lang="es-MX" dirty="0"/>
-              <a:t>El modelo y las aproximaciones que se han hecho simplifican mucho los cálculos y permiten explicar parte de los fenómenos observados. </a:t>
-            </a:r>
-          </a:p>
-          <a:p>
-            <a:pPr marL="0" indent="0">
-              <a:buNone/>
-            </a:pPr>
-            <a:endParaRPr lang="es-MX" dirty="0"/>
-          </a:p>
-          <a:p>
-            <a:r>
-              <a:rPr lang="es-MX" dirty="0"/>
-              <a:t>Dado que la cuerda está fija en sus dos extremos, se puede determinar una relación entre la longitud de onda del modo n y la longitud L de la cuerda</a:t>
-            </a:r>
-          </a:p>
-          <a:p>
-            <a:pPr marL="0" indent="0">
-              <a:buNone/>
-            </a:pPr>
-            <a:endParaRPr lang="es-MX" dirty="0"/>
-          </a:p>
-          <a:p>
-            <a:r>
-              <a:rPr lang="es-MX" dirty="0"/>
-              <a:t>Se puede ver con estas expresiones, que posición y velocidad iniciales de la cuerda determinan completamente su espectro de vibración</a:t>
-            </a:r>
-          </a:p>
-          <a:p>
-            <a:pPr marL="0" indent="0">
-              <a:buNone/>
-            </a:pPr>
-            <a:endParaRPr lang="es-MX" dirty="0"/>
-          </a:p>
-          <a:p>
-            <a:r>
-              <a:rPr lang="es-MX" dirty="0"/>
-              <a:t>Estas vibraciones se transmiten integralmente al aire en forma de sonido y representan también el espectro sonoro de la cuerda, es decir su timbre. Numerosos factores, además de la composición, de la longitud y de la tensión, van a influir sobre el contenido del sonido, en particular, el ataque.</a:t>
-            </a:r>
-          </a:p>
-        </p:txBody>
-      </p:sp>
+        </p:nvPicPr>
+        <p:blipFill>
+          <a:blip r:embed="rId2"/>
+          <a:stretch>
+            <a:fillRect/>
+          </a:stretch>
+        </p:blipFill>
+        <p:spPr>
+          <a:xfrm>
+            <a:off x="1329499" y="894522"/>
+            <a:ext cx="9519473" cy="4941060"/>
+          </a:xfrm>
+        </p:spPr>
+      </p:pic>
     </p:spTree>
     <p:extLst>
       <p:ext uri="{BB962C8B-B14F-4D97-AF65-F5344CB8AC3E}">
-        <p14:creationId xmlns:p14="http://schemas.microsoft.com/office/powerpoint/2010/main" val="3335996506"/>
+        <p14:creationId xmlns:p14="http://schemas.microsoft.com/office/powerpoint/2010/main" val="2640777379"/>
       </p:ext>
     </p:extLst>
   </p:cSld>
@@ -6497,12 +6545,72 @@
           <a:chExt cx="0" cy="0"/>
         </a:xfrm>
       </p:grpSpPr>
+      <p:pic>
+        <p:nvPicPr>
+          <p:cNvPr id="5" name="Imagen 4">
+            <a:extLst>
+              <a:ext uri="{FF2B5EF4-FFF2-40B4-BE49-F238E27FC236}">
+                <a16:creationId xmlns:a16="http://schemas.microsoft.com/office/drawing/2014/main" id="{54B72D26-C5B7-6E44-B46B-DD932EC000DD}"/>
+              </a:ext>
+            </a:extLst>
+          </p:cNvPr>
+          <p:cNvPicPr>
+            <a:picLocks noChangeAspect="1"/>
+          </p:cNvPicPr>
+          <p:nvPr/>
+        </p:nvPicPr>
+        <p:blipFill>
+          <a:blip r:embed="rId2"/>
+          <a:stretch>
+            <a:fillRect/>
+          </a:stretch>
+        </p:blipFill>
+        <p:spPr>
+          <a:xfrm>
+            <a:off x="715618" y="983842"/>
+            <a:ext cx="10793896" cy="4841567"/>
+          </a:xfrm>
+          <a:prstGeom prst="rect">
+            <a:avLst/>
+          </a:prstGeom>
+        </p:spPr>
+      </p:pic>
+    </p:spTree>
+    <p:extLst>
+      <p:ext uri="{BB962C8B-B14F-4D97-AF65-F5344CB8AC3E}">
+        <p14:creationId xmlns:p14="http://schemas.microsoft.com/office/powerpoint/2010/main" val="8839828"/>
+      </p:ext>
+    </p:extLst>
+  </p:cSld>
+  <p:clrMapOvr>
+    <a:masterClrMapping/>
+  </p:clrMapOvr>
+</p:sld>
+</file>
+
+<file path=ppt/slides/slide9.xml><?xml version="1.0" encoding="utf-8"?>
+<p:sld xmlns:a="http://schemas.openxmlformats.org/drawingml/2006/main" xmlns:r="http://schemas.openxmlformats.org/officeDocument/2006/relationships" xmlns:p="http://schemas.openxmlformats.org/presentationml/2006/main">
+  <p:cSld>
+    <p:spTree>
+      <p:nvGrpSpPr>
+        <p:cNvPr id="1" name=""/>
+        <p:cNvGrpSpPr/>
+        <p:nvPr/>
+      </p:nvGrpSpPr>
+      <p:grpSpPr>
+        <a:xfrm>
+          <a:off x="0" y="0"/>
+          <a:ext cx="0" cy="0"/>
+          <a:chOff x="0" y="0"/>
+          <a:chExt cx="0" cy="0"/>
+        </a:xfrm>
+      </p:grpSpPr>
       <p:sp>
         <p:nvSpPr>
           <p:cNvPr id="2" name="Título 1">
             <a:extLst>
               <a:ext uri="{FF2B5EF4-FFF2-40B4-BE49-F238E27FC236}">
-                <a16:creationId xmlns:a16="http://schemas.microsoft.com/office/drawing/2014/main" id="{8317506A-4B4E-2546-AC64-80D1BD6D4D91}"/>
+                <a16:creationId xmlns:a16="http://schemas.microsoft.com/office/drawing/2014/main" id="{B9D7D473-EA27-D44F-A1AF-37B3340EF950}"/>
               </a:ext>
             </a:extLst>
           </p:cNvPr>
@@ -6520,7 +6628,7 @@
           <a:p>
             <a:r>
               <a:rPr lang="es-MX" dirty="0"/>
-              <a:t>Bibliografía</a:t>
+              <a:t>Conclusiones</a:t>
             </a:r>
           </a:p>
         </p:txBody>
@@ -6530,7 +6638,7 @@
           <p:cNvPr id="3" name="Marcador de contenido 2">
             <a:extLst>
               <a:ext uri="{FF2B5EF4-FFF2-40B4-BE49-F238E27FC236}">
-                <a16:creationId xmlns:a16="http://schemas.microsoft.com/office/drawing/2014/main" id="{8B7D6E70-71EF-2D4B-8804-C60C5FA1B08C}"/>
+                <a16:creationId xmlns:a16="http://schemas.microsoft.com/office/drawing/2014/main" id="{28BDC972-4774-C94B-8E20-33FF7F7E0380}"/>
               </a:ext>
             </a:extLst>
           </p:cNvPr>
@@ -6543,28 +6651,55 @@
         </p:nvSpPr>
         <p:spPr>
           <a:xfrm>
-            <a:off x="1295402" y="3278827"/>
-            <a:ext cx="9601196" cy="1991005"/>
+            <a:off x="1295401" y="2556932"/>
+            <a:ext cx="9601196" cy="3591620"/>
           </a:xfrm>
         </p:spPr>
         <p:txBody>
           <a:bodyPr>
-            <a:normAutofit fontScale="92500" lnSpcReduction="10000"/>
+            <a:normAutofit fontScale="70000" lnSpcReduction="20000"/>
           </a:bodyPr>
           <a:lstStyle/>
           <a:p>
             <a:r>
               <a:rPr lang="es-MX" dirty="0"/>
-              <a:t>Michel Picquart, Lidia Jiménez. (2010). Estudio simplificado del timbre de cuerdas percutidas, punzadas y pulsadas. México, DF, México: Edvcatio physiorvm.</a:t>
-            </a:r>
-          </a:p>
-          <a:p>
+              <a:t>El modelo y las aproximaciones que se han hecho simplifican mucho los cálculos y permiten explicar parte de los fenómenos observados. </a:t>
+            </a:r>
+          </a:p>
+          <a:p>
+            <a:pPr marL="0" indent="0">
+              <a:buNone/>
+            </a:pPr>
             <a:endParaRPr lang="es-MX" dirty="0"/>
           </a:p>
           <a:p>
             <a:r>
               <a:rPr lang="es-MX" dirty="0"/>
-              <a:t>http://localhost:8888/notebooks/Downloads/ProyectoModulo2_DeAndaN1_RodriguezN2_PartidaN3.ipynb</a:t>
+              <a:t>Dado que la cuerda está fija en sus dos extremos, se puede determinar una relación entre la longitud de onda del modo n y la longitud L de la cuerda</a:t>
+            </a:r>
+          </a:p>
+          <a:p>
+            <a:pPr marL="0" indent="0">
+              <a:buNone/>
+            </a:pPr>
+            <a:endParaRPr lang="es-MX" dirty="0"/>
+          </a:p>
+          <a:p>
+            <a:r>
+              <a:rPr lang="es-MX" dirty="0"/>
+              <a:t>Se puede ver con estas expresiones, que posición y velocidad iniciales de la cuerda determinan completamente su espectro de vibración</a:t>
+            </a:r>
+          </a:p>
+          <a:p>
+            <a:pPr marL="0" indent="0">
+              <a:buNone/>
+            </a:pPr>
+            <a:endParaRPr lang="es-MX" dirty="0"/>
+          </a:p>
+          <a:p>
+            <a:r>
+              <a:rPr lang="es-MX" dirty="0"/>
+              <a:t>Estas vibraciones se transmiten integralmente al aire en forma de sonido y representan también el espectro sonoro de la cuerda, es decir su timbre. Numerosos factores, además de la composición, de la longitud y de la tensión, van a influir sobre el contenido del sonido, en particular, el ataque.</a:t>
             </a:r>
           </a:p>
         </p:txBody>
@@ -6572,7 +6707,7 @@
     </p:spTree>
     <p:extLst>
       <p:ext uri="{BB962C8B-B14F-4D97-AF65-F5344CB8AC3E}">
-        <p14:creationId xmlns:p14="http://schemas.microsoft.com/office/powerpoint/2010/main" val="4029933813"/>
+        <p14:creationId xmlns:p14="http://schemas.microsoft.com/office/powerpoint/2010/main" val="3335996506"/>
       </p:ext>
     </p:extLst>
   </p:cSld>
